--- a/Gameboy adventure.pptx
+++ b/Gameboy adventure.pptx
@@ -13,6 +13,7 @@
     <p:sldId id="260" r:id="rId7"/>
     <p:sldId id="262" r:id="rId8"/>
     <p:sldId id="263" r:id="rId9"/>
+    <p:sldId id="264" r:id="rId10"/>
   </p:sldIdLst>
   <p:sldSz cx="12192000" cy="6858000"/>
   <p:notesSz cx="6858000" cy="9144000"/>
@@ -111,6 +112,11 @@
       </a:defRPr>
     </a:lvl9pPr>
   </p:defaultTextStyle>
+  <p:extLst>
+    <p:ext uri="{EFAFB233-063F-42B5-8137-9DF3F51BA10A}">
+      <p15:sldGuideLst xmlns:p15="http://schemas.microsoft.com/office/powerpoint/2012/main"/>
+    </p:ext>
+  </p:extLst>
 </p:presentation>
 </file>
 
@@ -245,7 +251,7 @@
           <a:p>
             <a:fld id="{D199E225-8832-4BF0-8B57-96B2E0F7CFB8}" type="datetimeFigureOut">
               <a:rPr lang="ru-RU" smtClean="0"/>
-              <a:t>22.01.2023</a:t>
+              <a:t>23.01.2023</a:t>
             </a:fld>
             <a:endParaRPr lang="ru-RU"/>
           </a:p>
@@ -415,7 +421,7 @@
           <a:p>
             <a:fld id="{D199E225-8832-4BF0-8B57-96B2E0F7CFB8}" type="datetimeFigureOut">
               <a:rPr lang="ru-RU" smtClean="0"/>
-              <a:t>22.01.2023</a:t>
+              <a:t>23.01.2023</a:t>
             </a:fld>
             <a:endParaRPr lang="ru-RU"/>
           </a:p>
@@ -595,7 +601,7 @@
           <a:p>
             <a:fld id="{D199E225-8832-4BF0-8B57-96B2E0F7CFB8}" type="datetimeFigureOut">
               <a:rPr lang="ru-RU" smtClean="0"/>
-              <a:t>22.01.2023</a:t>
+              <a:t>23.01.2023</a:t>
             </a:fld>
             <a:endParaRPr lang="ru-RU"/>
           </a:p>
@@ -765,7 +771,7 @@
           <a:p>
             <a:fld id="{D199E225-8832-4BF0-8B57-96B2E0F7CFB8}" type="datetimeFigureOut">
               <a:rPr lang="ru-RU" smtClean="0"/>
-              <a:t>22.01.2023</a:t>
+              <a:t>23.01.2023</a:t>
             </a:fld>
             <a:endParaRPr lang="ru-RU"/>
           </a:p>
@@ -1011,7 +1017,7 @@
           <a:p>
             <a:fld id="{D199E225-8832-4BF0-8B57-96B2E0F7CFB8}" type="datetimeFigureOut">
               <a:rPr lang="ru-RU" smtClean="0"/>
-              <a:t>22.01.2023</a:t>
+              <a:t>23.01.2023</a:t>
             </a:fld>
             <a:endParaRPr lang="ru-RU"/>
           </a:p>
@@ -1243,7 +1249,7 @@
           <a:p>
             <a:fld id="{D199E225-8832-4BF0-8B57-96B2E0F7CFB8}" type="datetimeFigureOut">
               <a:rPr lang="ru-RU" smtClean="0"/>
-              <a:t>22.01.2023</a:t>
+              <a:t>23.01.2023</a:t>
             </a:fld>
             <a:endParaRPr lang="ru-RU"/>
           </a:p>
@@ -1610,7 +1616,7 @@
           <a:p>
             <a:fld id="{D199E225-8832-4BF0-8B57-96B2E0F7CFB8}" type="datetimeFigureOut">
               <a:rPr lang="ru-RU" smtClean="0"/>
-              <a:t>22.01.2023</a:t>
+              <a:t>23.01.2023</a:t>
             </a:fld>
             <a:endParaRPr lang="ru-RU"/>
           </a:p>
@@ -1728,7 +1734,7 @@
           <a:p>
             <a:fld id="{D199E225-8832-4BF0-8B57-96B2E0F7CFB8}" type="datetimeFigureOut">
               <a:rPr lang="ru-RU" smtClean="0"/>
-              <a:t>22.01.2023</a:t>
+              <a:t>23.01.2023</a:t>
             </a:fld>
             <a:endParaRPr lang="ru-RU"/>
           </a:p>
@@ -1823,7 +1829,7 @@
           <a:p>
             <a:fld id="{D199E225-8832-4BF0-8B57-96B2E0F7CFB8}" type="datetimeFigureOut">
               <a:rPr lang="ru-RU" smtClean="0"/>
-              <a:t>22.01.2023</a:t>
+              <a:t>23.01.2023</a:t>
             </a:fld>
             <a:endParaRPr lang="ru-RU"/>
           </a:p>
@@ -2100,7 +2106,7 @@
           <a:p>
             <a:fld id="{D199E225-8832-4BF0-8B57-96B2E0F7CFB8}" type="datetimeFigureOut">
               <a:rPr lang="ru-RU" smtClean="0"/>
-              <a:t>22.01.2023</a:t>
+              <a:t>23.01.2023</a:t>
             </a:fld>
             <a:endParaRPr lang="ru-RU"/>
           </a:p>
@@ -2353,7 +2359,7 @@
           <a:p>
             <a:fld id="{D199E225-8832-4BF0-8B57-96B2E0F7CFB8}" type="datetimeFigureOut">
               <a:rPr lang="ru-RU" smtClean="0"/>
-              <a:t>22.01.2023</a:t>
+              <a:t>23.01.2023</a:t>
             </a:fld>
             <a:endParaRPr lang="ru-RU"/>
           </a:p>
@@ -2566,7 +2572,7 @@
           <a:p>
             <a:fld id="{D199E225-8832-4BF0-8B57-96B2E0F7CFB8}" type="datetimeFigureOut">
               <a:rPr lang="ru-RU" smtClean="0"/>
-              <a:t>22.01.2023</a:t>
+              <a:t>23.01.2023</a:t>
             </a:fld>
             <a:endParaRPr lang="ru-RU"/>
           </a:p>
@@ -2992,7 +2998,7 @@
         </p:blipFill>
         <p:spPr>
           <a:xfrm>
-            <a:off x="-200336" y="-202659"/>
+            <a:off x="-194660" y="-206912"/>
             <a:ext cx="14308552" cy="7449958"/>
           </a:xfrm>
           <a:prstGeom prst="rect">
@@ -3130,16 +3136,43 @@
             <p:ph type="subTitle" idx="1"/>
           </p:nvPr>
         </p:nvSpPr>
-        <p:spPr/>
-        <p:txBody>
-          <a:bodyPr/>
-          <a:lstStyle/>
-          <a:p>
-            <a:r>
-              <a:rPr lang="ru-RU" dirty="0" smtClean="0"/>
+        <p:spPr>
+          <a:xfrm>
+            <a:off x="5435599" y="6010263"/>
+            <a:ext cx="9144000" cy="1655762"/>
+          </a:xfrm>
+        </p:spPr>
+        <p:txBody>
+          <a:bodyPr/>
+          <a:lstStyle/>
+          <a:p>
+            <a:r>
+              <a:rPr lang="ru-RU" dirty="0" smtClean="0">
+                <a:solidFill>
+                  <a:schemeClr val="bg1">
+                    <a:lumMod val="75000"/>
+                  </a:schemeClr>
+                </a:solidFill>
+              </a:rPr>
               <a:t> </a:t>
             </a:r>
-            <a:endParaRPr lang="ru-RU" dirty="0"/>
+            <a:r>
+              <a:rPr lang="ru-RU" dirty="0" smtClean="0">
+                <a:solidFill>
+                  <a:schemeClr val="bg1">
+                    <a:lumMod val="50000"/>
+                  </a:schemeClr>
+                </a:solidFill>
+              </a:rPr>
+              <a:t>Цыбин Тимур, Воронин Иван</a:t>
+            </a:r>
+            <a:endParaRPr lang="ru-RU" dirty="0">
+              <a:solidFill>
+                <a:schemeClr val="bg1">
+                  <a:lumMod val="50000"/>
+                </a:schemeClr>
+              </a:solidFill>
+            </a:endParaRPr>
           </a:p>
         </p:txBody>
       </p:sp>
@@ -3153,13 +3186,13 @@
   <p:clrMapOvr>
     <a:masterClrMapping/>
   </p:clrMapOvr>
-  <mc:AlternateContent xmlns:mc="http://schemas.openxmlformats.org/markup-compatibility/2006">
-    <mc:Choice xmlns:p14="http://schemas.microsoft.com/office/powerpoint/2010/main" Requires="p14">
+  <mc:AlternateContent xmlns:mc="http://schemas.openxmlformats.org/markup-compatibility/2006" xmlns:p14="http://schemas.microsoft.com/office/powerpoint/2010/main">
+    <mc:Choice Requires="p14">
       <p:transition spd="med" p14:dur="700">
         <p:fade/>
       </p:transition>
     </mc:Choice>
-    <mc:Fallback>
+    <mc:Fallback xmlns="">
       <p:transition spd="med">
         <p:fade/>
       </p:transition>
@@ -3293,13 +3326,13 @@
   <p:clrMapOvr>
     <a:masterClrMapping/>
   </p:clrMapOvr>
-  <mc:AlternateContent xmlns:mc="http://schemas.openxmlformats.org/markup-compatibility/2006">
-    <mc:Choice xmlns:p14="http://schemas.microsoft.com/office/powerpoint/2010/main" Requires="p14">
+  <mc:AlternateContent xmlns:mc="http://schemas.openxmlformats.org/markup-compatibility/2006" xmlns:p14="http://schemas.microsoft.com/office/powerpoint/2010/main">
+    <mc:Choice Requires="p14">
       <p:transition spd="med" p14:dur="700">
         <p:fade/>
       </p:transition>
     </mc:Choice>
-    <mc:Fallback>
+    <mc:Fallback xmlns="">
       <p:transition spd="med">
         <p:fade/>
       </p:transition>
@@ -3460,13 +3493,13 @@
   <p:clrMapOvr>
     <a:masterClrMapping/>
   </p:clrMapOvr>
-  <mc:AlternateContent xmlns:mc="http://schemas.openxmlformats.org/markup-compatibility/2006">
-    <mc:Choice xmlns:p14="http://schemas.microsoft.com/office/powerpoint/2010/main" Requires="p14">
+  <mc:AlternateContent xmlns:mc="http://schemas.openxmlformats.org/markup-compatibility/2006" xmlns:p14="http://schemas.microsoft.com/office/powerpoint/2010/main">
+    <mc:Choice Requires="p14">
       <p:transition spd="med" p14:dur="700">
         <p:fade/>
       </p:transition>
     </mc:Choice>
-    <mc:Fallback>
+    <mc:Fallback xmlns="">
       <p:transition spd="med">
         <p:fade/>
       </p:transition>
@@ -3587,13 +3620,13 @@
   <p:clrMapOvr>
     <a:masterClrMapping/>
   </p:clrMapOvr>
-  <mc:AlternateContent xmlns:mc="http://schemas.openxmlformats.org/markup-compatibility/2006">
-    <mc:Choice xmlns:p14="http://schemas.microsoft.com/office/powerpoint/2010/main" Requires="p14">
+  <mc:AlternateContent xmlns:mc="http://schemas.openxmlformats.org/markup-compatibility/2006" xmlns:p14="http://schemas.microsoft.com/office/powerpoint/2010/main">
+    <mc:Choice Requires="p14">
       <p:transition spd="med" p14:dur="700">
         <p:fade/>
       </p:transition>
     </mc:Choice>
-    <mc:Fallback>
+    <mc:Fallback xmlns="">
       <p:transition spd="med">
         <p:fade/>
       </p:transition>
@@ -3736,13 +3769,13 @@
   <p:clrMapOvr>
     <a:masterClrMapping/>
   </p:clrMapOvr>
-  <mc:AlternateContent xmlns:mc="http://schemas.openxmlformats.org/markup-compatibility/2006">
-    <mc:Choice xmlns:p14="http://schemas.microsoft.com/office/powerpoint/2010/main" Requires="p14">
+  <mc:AlternateContent xmlns:mc="http://schemas.openxmlformats.org/markup-compatibility/2006" xmlns:p14="http://schemas.microsoft.com/office/powerpoint/2010/main">
+    <mc:Choice Requires="p14">
       <p:transition spd="med" p14:dur="700">
         <p:fade/>
       </p:transition>
     </mc:Choice>
-    <mc:Fallback>
+    <mc:Fallback xmlns="">
       <p:transition spd="med">
         <p:fade/>
       </p:transition>
@@ -3906,13 +3939,13 @@
   <p:clrMapOvr>
     <a:masterClrMapping/>
   </p:clrMapOvr>
-  <mc:AlternateContent xmlns:mc="http://schemas.openxmlformats.org/markup-compatibility/2006">
-    <mc:Choice xmlns:p14="http://schemas.microsoft.com/office/powerpoint/2010/main" Requires="p14">
+  <mc:AlternateContent xmlns:mc="http://schemas.openxmlformats.org/markup-compatibility/2006" xmlns:p14="http://schemas.microsoft.com/office/powerpoint/2010/main">
+    <mc:Choice Requires="p14">
       <p:transition spd="med" p14:dur="700">
         <p:fade/>
       </p:transition>
     </mc:Choice>
-    <mc:Fallback>
+    <mc:Fallback xmlns="">
       <p:transition spd="med">
         <p:fade/>
       </p:transition>
@@ -4052,13 +4085,13 @@
   <p:clrMapOvr>
     <a:masterClrMapping/>
   </p:clrMapOvr>
-  <mc:AlternateContent xmlns:mc="http://schemas.openxmlformats.org/markup-compatibility/2006">
-    <mc:Choice xmlns:p14="http://schemas.microsoft.com/office/powerpoint/2010/main" Requires="p14">
+  <mc:AlternateContent xmlns:mc="http://schemas.openxmlformats.org/markup-compatibility/2006" xmlns:p14="http://schemas.microsoft.com/office/powerpoint/2010/main">
+    <mc:Choice Requires="p14">
       <p:transition spd="med" p14:dur="700">
         <p:fade/>
       </p:transition>
     </mc:Choice>
-    <mc:Fallback>
+    <mc:Fallback xmlns="">
       <p:transition spd="med">
         <p:fade/>
       </p:transition>
@@ -4175,18 +4208,155 @@
   <p:clrMapOvr>
     <a:masterClrMapping/>
   </p:clrMapOvr>
-  <mc:AlternateContent xmlns:mc="http://schemas.openxmlformats.org/markup-compatibility/2006">
-    <mc:Choice xmlns:p14="http://schemas.microsoft.com/office/powerpoint/2010/main" Requires="p14">
+  <mc:AlternateContent xmlns:mc="http://schemas.openxmlformats.org/markup-compatibility/2006" xmlns:p14="http://schemas.microsoft.com/office/powerpoint/2010/main">
+    <mc:Choice Requires="p14">
       <p:transition spd="med" p14:dur="700">
         <p:fade/>
       </p:transition>
     </mc:Choice>
-    <mc:Fallback>
+    <mc:Fallback xmlns="">
       <p:transition spd="med">
         <p:fade/>
       </p:transition>
     </mc:Fallback>
   </mc:AlternateContent>
+  <p:timing>
+    <p:tnLst>
+      <p:par>
+        <p:cTn id="1" dur="indefinite" restart="never" nodeType="tmRoot"/>
+      </p:par>
+    </p:tnLst>
+  </p:timing>
+</p:sld>
+</file>
+
+<file path=ppt/slides/slide9.xml><?xml version="1.0" encoding="utf-8"?>
+<p:sld xmlns:a="http://schemas.openxmlformats.org/drawingml/2006/main" xmlns:r="http://schemas.openxmlformats.org/officeDocument/2006/relationships" xmlns:p="http://schemas.openxmlformats.org/presentationml/2006/main">
+  <p:cSld>
+    <p:spTree>
+      <p:nvGrpSpPr>
+        <p:cNvPr id="1" name=""/>
+        <p:cNvGrpSpPr/>
+        <p:nvPr/>
+      </p:nvGrpSpPr>
+      <p:grpSpPr>
+        <a:xfrm>
+          <a:off x="0" y="0"/>
+          <a:ext cx="0" cy="0"/>
+          <a:chOff x="0" y="0"/>
+          <a:chExt cx="0" cy="0"/>
+        </a:xfrm>
+      </p:grpSpPr>
+      <p:pic>
+        <p:nvPicPr>
+          <p:cNvPr id="4" name="Рисунок 3"/>
+          <p:cNvPicPr>
+            <a:picLocks noChangeAspect="1"/>
+          </p:cNvPicPr>
+          <p:nvPr/>
+        </p:nvPicPr>
+        <p:blipFill>
+          <a:blip r:embed="rId2"/>
+          <a:stretch>
+            <a:fillRect/>
+          </a:stretch>
+        </p:blipFill>
+        <p:spPr>
+          <a:xfrm>
+            <a:off x="-196516" y="-193421"/>
+            <a:ext cx="14308552" cy="7449958"/>
+          </a:xfrm>
+          <a:prstGeom prst="rect">
+            <a:avLst/>
+          </a:prstGeom>
+        </p:spPr>
+      </p:pic>
+      <p:sp>
+        <p:nvSpPr>
+          <p:cNvPr id="2" name="Заголовок 1"/>
+          <p:cNvSpPr>
+            <a:spLocks noGrp="1"/>
+          </p:cNvSpPr>
+          <p:nvPr>
+            <p:ph type="title"/>
+          </p:nvPr>
+        </p:nvSpPr>
+        <p:spPr/>
+        <p:txBody>
+          <a:bodyPr/>
+          <a:lstStyle/>
+          <a:p>
+            <a:r>
+              <a:rPr lang="ru-RU" b="1" dirty="0" smtClean="0">
+                <a:latin typeface="+mn-lt"/>
+              </a:rPr>
+              <a:t>Заключение</a:t>
+            </a:r>
+            <a:endParaRPr lang="ru-RU" b="1" dirty="0">
+              <a:latin typeface="+mn-lt"/>
+            </a:endParaRPr>
+          </a:p>
+        </p:txBody>
+      </p:sp>
+      <p:sp>
+        <p:nvSpPr>
+          <p:cNvPr id="3" name="Объект 2"/>
+          <p:cNvSpPr>
+            <a:spLocks noGrp="1"/>
+          </p:cNvSpPr>
+          <p:nvPr>
+            <p:ph idx="1"/>
+          </p:nvPr>
+        </p:nvSpPr>
+        <p:spPr>
+          <a:xfrm>
+            <a:off x="838200" y="1825625"/>
+            <a:ext cx="9970971" cy="4351338"/>
+          </a:xfrm>
+        </p:spPr>
+        <p:txBody>
+          <a:bodyPr/>
+          <a:lstStyle/>
+          <a:p>
+            <a:pPr marL="0" indent="0">
+              <a:buNone/>
+            </a:pPr>
+            <a:r>
+              <a:rPr lang="ru-RU" b="1" dirty="0"/>
+              <a:t>Возможности </a:t>
+            </a:r>
+            <a:r>
+              <a:rPr lang="ru-RU" b="1" dirty="0" smtClean="0"/>
+              <a:t>доработки</a:t>
+            </a:r>
+            <a:r>
+              <a:rPr lang="en-US" b="1" dirty="0" smtClean="0"/>
+              <a:t>:</a:t>
+            </a:r>
+            <a:endParaRPr lang="ru-RU" dirty="0" smtClean="0"/>
+          </a:p>
+          <a:p>
+            <a:pPr marL="0" indent="0">
+              <a:buNone/>
+            </a:pPr>
+            <a:r>
+              <a:rPr lang="ru-RU" dirty="0" smtClean="0"/>
+              <a:t>Можно добавить больше уровней, добавить противников, новые препятствия, которые усложнят прохождение игры.</a:t>
+            </a:r>
+            <a:endParaRPr lang="ru-RU" dirty="0"/>
+          </a:p>
+        </p:txBody>
+      </p:sp>
+    </p:spTree>
+    <p:extLst>
+      <p:ext uri="{BB962C8B-B14F-4D97-AF65-F5344CB8AC3E}">
+        <p14:creationId xmlns:p14="http://schemas.microsoft.com/office/powerpoint/2010/main" val="3668352174"/>
+      </p:ext>
+    </p:extLst>
+  </p:cSld>
+  <p:clrMapOvr>
+    <a:masterClrMapping/>
+  </p:clrMapOvr>
   <p:timing>
     <p:tnLst>
       <p:par>
